--- a/MOCUIPlugin-Demo3.pptx
+++ b/MOCUIPlugin-Demo3.pptx
@@ -5795,56 +5795,25 @@
       </p:sp>
       <p:pic>
         <p:nvPicPr>
-          <p:cNvPr id="1027" name="Picture 3"/>
+          <p:cNvPr id="5" name="Picture 4"/>
           <p:cNvPicPr>
-            <a:picLocks noGrp="1" noChangeAspect="1" noChangeArrowheads="1"/>
+            <a:picLocks noChangeAspect="1"/>
           </p:cNvPicPr>
-          <p:nvPr>
-            <p:ph sz="quarter" idx="13"/>
-          </p:nvPr>
+          <p:nvPr/>
         </p:nvPicPr>
         <p:blipFill rotWithShape="1">
-          <a:blip r:embed="rId2">
-            <a:extLst>
-              <a:ext uri="{28A0092B-C50C-407E-A947-70E740481C1C}">
-                <a14:useLocalDpi xmlns:a14="http://schemas.microsoft.com/office/drawing/2010/main" val="0"/>
-              </a:ext>
-            </a:extLst>
-          </a:blip>
-          <a:srcRect l="34345" t="22256" r="16842" b="27944"/>
+          <a:blip r:embed="rId2"/>
+          <a:srcRect l="31640" t="31853" r="10937" b="19793"/>
           <a:stretch/>
         </p:blipFill>
-        <p:spPr bwMode="auto">
-          <a:xfrm>
-            <a:off x="1645920" y="1495586"/>
-            <a:ext cx="5471572" cy="3028628"/>
+        <p:spPr>
+          <a:xfrm>
+            <a:off x="914400" y="1428750"/>
+            <a:ext cx="7239000" cy="3429000"/>
           </a:xfrm>
           <a:prstGeom prst="rect">
             <a:avLst/>
           </a:prstGeom>
-          <a:noFill/>
-          <a:ln>
-            <a:noFill/>
-          </a:ln>
-          <a:extLst>
-            <a:ext uri="{909E8E84-426E-40DD-AFC4-6F175D3DCCD1}">
-              <a14:hiddenFill xmlns:a14="http://schemas.microsoft.com/office/drawing/2010/main">
-                <a:solidFill>
-                  <a:schemeClr val="accent1"/>
-                </a:solidFill>
-              </a14:hiddenFill>
-            </a:ext>
-            <a:ext uri="{91240B29-F687-4F45-9708-019B960494DF}">
-              <a14:hiddenLine xmlns:a14="http://schemas.microsoft.com/office/drawing/2010/main" w="9525">
-                <a:solidFill>
-                  <a:schemeClr val="tx1"/>
-                </a:solidFill>
-                <a:miter lim="800000"/>
-                <a:headEnd/>
-                <a:tailEnd/>
-              </a14:hiddenLine>
-            </a:ext>
-          </a:extLst>
         </p:spPr>
       </p:pic>
     </p:spTree>
@@ -6084,7 +6053,7 @@
               <a:t>Strech</a:t>
             </a:r>
             <a:r>
-              <a:rPr lang="en-US" sz="4100" smtClean="0"/>
+              <a:rPr lang="en-US" sz="4100" dirty="0" smtClean="0"/>
               <a:t>) Manage NICS</a:t>
             </a:r>
             <a:endParaRPr lang="en-US" sz="4100" dirty="0"/>
@@ -6175,13 +6144,28 @@
           <a:p>
             <a:r>
               <a:rPr lang="en-US" dirty="0" smtClean="0"/>
-              <a:t>Almost done with initial goals</a:t>
-            </a:r>
-          </a:p>
-          <a:p>
+              <a:t>Under Estimated Sprint2 Goals</a:t>
+            </a:r>
             <a:r>
               <a:rPr lang="en-US" dirty="0" smtClean="0"/>
-              <a:t>iFrame Integration (Sprint 4 &amp; 5)</a:t>
+              <a:t>,</a:t>
+            </a:r>
+            <a:r>
+              <a:rPr lang="en-US" dirty="0" smtClean="0"/>
+              <a:t> Over Estimated Sprint3 Goals</a:t>
+            </a:r>
+          </a:p>
+          <a:p>
+            <a:endParaRPr lang="en-US" dirty="0" smtClean="0"/>
+          </a:p>
+          <a:p>
+            <a:r>
+              <a:rPr lang="en-US" dirty="0" err="1" smtClean="0"/>
+              <a:t>iFrame</a:t>
+            </a:r>
+            <a:r>
+              <a:rPr lang="en-US" dirty="0" smtClean="0"/>
+              <a:t> Integration (Sprint 5)</a:t>
             </a:r>
           </a:p>
           <a:p>
@@ -6189,19 +6173,6 @@
             <a:r>
               <a:rPr lang="en-US" dirty="0" smtClean="0"/>
               <a:t>Depends on MOC UI group</a:t>
-            </a:r>
-          </a:p>
-          <a:p>
-            <a:r>
-              <a:rPr lang="en-US" dirty="0" smtClean="0"/>
-              <a:t>Could work on stretch goals in the meantime</a:t>
-            </a:r>
-          </a:p>
-          <a:p>
-            <a:pPr lvl="1"/>
-            <a:r>
-              <a:rPr lang="en-US" dirty="0" smtClean="0"/>
-              <a:t>Authorization for HaaS</a:t>
             </a:r>
           </a:p>
         </p:txBody>

--- a/MOCUIPlugin-Demo3.pptx
+++ b/MOCUIPlugin-Demo3.pptx
@@ -218,7 +218,7 @@
             <a:fld id="{A8ADFD5B-A66C-449C-B6E8-FB716D07777D}" type="datetimeFigureOut">
               <a:rPr lang="en-US" smtClean="0"/>
               <a:pPr/>
-              <a:t>4/8/2015</a:t>
+              <a:t>4/9/2015</a:t>
             </a:fld>
             <a:endParaRPr lang="en-US"/>
           </a:p>
@@ -858,7 +858,7 @@
                 </a:solidFill>
               </a:rPr>
               <a:pPr algn="ctr"/>
-              <a:t>4/8/2015</a:t>
+              <a:t>4/9/2015</a:t>
             </a:fld>
             <a:endParaRPr kumimoji="0" lang="en-US" sz="2000" dirty="0">
               <a:solidFill>
@@ -1057,7 +1057,7 @@
             <a:fld id="{E4606EA6-EFEA-4C30-9264-4F9291A5780D}" type="datetime1">
               <a:rPr kumimoji="0" lang="en-US" smtClean="0"/>
               <a:pPr/>
-              <a:t>4/8/2015</a:t>
+              <a:t>4/9/2015</a:t>
             </a:fld>
             <a:endParaRPr kumimoji="0" lang="en-US"/>
           </a:p>
@@ -1488,7 +1488,7 @@
             <a:fld id="{6FCF9F07-3BC7-4570-B054-79111B0A380C}" type="datetime1">
               <a:rPr kumimoji="0" lang="en-US" smtClean="0"/>
               <a:pPr/>
-              <a:t>4/8/2015</a:t>
+              <a:t>4/9/2015</a:t>
             </a:fld>
             <a:endParaRPr kumimoji="0" lang="en-US"/>
           </a:p>
@@ -1753,7 +1753,7 @@
             <a:fld id="{E4606EA6-EFEA-4C30-9264-4F9291A5780D}" type="datetime1">
               <a:rPr kumimoji="0" lang="en-US" smtClean="0"/>
               <a:pPr/>
-              <a:t>4/8/2015</a:t>
+              <a:t>4/9/2015</a:t>
             </a:fld>
             <a:endParaRPr kumimoji="0" lang="en-US"/>
           </a:p>
@@ -2008,7 +2008,7 @@
             <a:fld id="{E4606EA6-EFEA-4C30-9264-4F9291A5780D}" type="datetime1">
               <a:rPr kumimoji="0" lang="en-US" smtClean="0"/>
               <a:pPr/>
-              <a:t>4/8/2015</a:t>
+              <a:t>4/9/2015</a:t>
             </a:fld>
             <a:endParaRPr kumimoji="0" lang="en-US"/>
           </a:p>
@@ -2221,7 +2221,7 @@
             <a:fld id="{6DFADB5D-B7A0-47E3-AD2D-B1A6F8614213}" type="datetime1">
               <a:rPr kumimoji="0" lang="en-US" smtClean="0"/>
               <a:pPr/>
-              <a:t>4/8/2015</a:t>
+              <a:t>4/9/2015</a:t>
             </a:fld>
             <a:endParaRPr kumimoji="0" lang="en-US"/>
           </a:p>
@@ -2334,7 +2334,7 @@
             <a:fld id="{72968126-03FC-49C0-B9B8-2B561CCC3D90}" type="datetime1">
               <a:rPr kumimoji="0" lang="en-US" smtClean="0"/>
               <a:pPr/>
-              <a:t>4/8/2015</a:t>
+              <a:t>4/9/2015</a:t>
             </a:fld>
             <a:endParaRPr kumimoji="0" lang="en-US"/>
           </a:p>
@@ -2487,7 +2487,7 @@
             <a:fld id="{F49A8198-4617-485E-9585-4840B69DBBA6}" type="datetime1">
               <a:rPr kumimoji="0" lang="en-US" smtClean="0"/>
               <a:pPr/>
-              <a:t>4/8/2015</a:t>
+              <a:t>4/9/2015</a:t>
             </a:fld>
             <a:endParaRPr kumimoji="0" lang="en-US"/>
           </a:p>
@@ -3076,7 +3076,7 @@
             <a:fld id="{E4606EA6-EFEA-4C30-9264-4F9291A5780D}" type="datetime1">
               <a:rPr kumimoji="0" lang="en-US" smtClean="0"/>
               <a:pPr/>
-              <a:t>4/8/2015</a:t>
+              <a:t>4/9/2015</a:t>
             </a:fld>
             <a:endParaRPr kumimoji="0" lang="en-US"/>
           </a:p>
@@ -3276,7 +3276,7 @@
             <a:fld id="{E4606EA6-EFEA-4C30-9264-4F9291A5780D}" type="datetime1">
               <a:rPr kumimoji="0" lang="en-US" smtClean="0"/>
               <a:pPr/>
-              <a:t>4/8/2015</a:t>
+              <a:t>4/9/2015</a:t>
             </a:fld>
             <a:endParaRPr kumimoji="0" lang="en-US" sz="1400" dirty="0">
               <a:solidFill>
@@ -4207,7 +4207,7 @@
         <p:spPr>
           <a:xfrm>
             <a:off x="152400" y="821331"/>
-            <a:ext cx="4572000" cy="1047979"/>
+            <a:ext cx="4572000" cy="2109808"/>
           </a:xfrm>
           <a:prstGeom prst="rect">
             <a:avLst/>
@@ -4285,8 +4285,52 @@
                 <a:ea typeface="Verdana" panose="020B0604030504040204" pitchFamily="34" charset="0"/>
                 <a:cs typeface="Verdana" panose="020B0604030504040204" pitchFamily="34" charset="0"/>
               </a:rPr>
-              <a:t>(MOC)</a:t>
-            </a:r>
+              <a:t>(MOC GUI)</a:t>
+            </a:r>
+          </a:p>
+          <a:p>
+            <a:pPr algn="ctr">
+              <a:lnSpc>
+                <a:spcPct val="115000"/>
+              </a:lnSpc>
+            </a:pPr>
+            <a:endParaRPr lang="en-US" b="1" dirty="0">
+              <a:latin typeface="Verdana" panose="020B0604030504040204" pitchFamily="34" charset="0"/>
+              <a:ea typeface="Verdana" panose="020B0604030504040204" pitchFamily="34" charset="0"/>
+              <a:cs typeface="Verdana" panose="020B0604030504040204" pitchFamily="34" charset="0"/>
+            </a:endParaRPr>
+          </a:p>
+          <a:p>
+            <a:pPr algn="ctr">
+              <a:lnSpc>
+                <a:spcPct val="115000"/>
+              </a:lnSpc>
+            </a:pPr>
+            <a:endParaRPr lang="en-US" b="1" dirty="0" smtClean="0">
+              <a:latin typeface="Verdana" panose="020B0604030504040204" pitchFamily="34" charset="0"/>
+              <a:ea typeface="Verdana" panose="020B0604030504040204" pitchFamily="34" charset="0"/>
+              <a:cs typeface="Verdana" panose="020B0604030504040204" pitchFamily="34" charset="0"/>
+            </a:endParaRPr>
+          </a:p>
+          <a:p>
+            <a:pPr algn="ctr">
+              <a:lnSpc>
+                <a:spcPct val="115000"/>
+              </a:lnSpc>
+            </a:pPr>
+            <a:endParaRPr lang="en-US" sz="1200" b="1" dirty="0">
+              <a:effectLst/>
+              <a:latin typeface="Verdana" panose="020B0604030504040204" pitchFamily="34" charset="0"/>
+              <a:ea typeface="Verdana" panose="020B0604030504040204" pitchFamily="34" charset="0"/>
+              <a:cs typeface="Verdana" panose="020B0604030504040204" pitchFamily="34" charset="0"/>
+            </a:endParaRPr>
+          </a:p>
+          <a:p>
+            <a:pPr algn="ctr">
+              <a:lnSpc>
+                <a:spcPct val="115000"/>
+              </a:lnSpc>
+            </a:pPr>
             <a:endParaRPr lang="en-US" sz="1200" dirty="0">
               <a:effectLst/>
               <a:latin typeface="Arial" panose="020B0604020202020204" pitchFamily="34" charset="0"/>
@@ -5265,11 +5309,7 @@
           <a:p>
             <a:r>
               <a:rPr lang="en-US" dirty="0" smtClean="0"/>
-              <a:t>Last</a:t>
-            </a:r>
-            <a:r>
-              <a:rPr lang="en-US" dirty="0" smtClean="0"/>
-              <a:t> Sprint</a:t>
+              <a:t>Last Sprint</a:t>
             </a:r>
             <a:endParaRPr lang="en-US" dirty="0"/>
           </a:p>
@@ -5331,21 +5371,8 @@
                   <a:prstClr val="black"/>
                 </a:solidFill>
               </a:rPr>
-              <a:t> </a:t>
-            </a:r>
-            <a:r>
-              <a:rPr lang="en-US" dirty="0" smtClean="0">
-                <a:solidFill>
-                  <a:prstClr val="black"/>
-                </a:solidFill>
-              </a:rPr>
-              <a:t>server</a:t>
-            </a:r>
-            <a:endParaRPr lang="en-US" dirty="0" smtClean="0">
-              <a:solidFill>
-                <a:prstClr val="black"/>
-              </a:solidFill>
-            </a:endParaRPr>
+              <a:t> server</a:t>
+            </a:r>
           </a:p>
           <a:p>
             <a:pPr lvl="0"/>
@@ -5371,7 +5398,61 @@
                   <a:prstClr val="black"/>
                 </a:solidFill>
               </a:rPr>
-              <a:t> API (List all Projects</a:t>
+              <a:t> API (List all Projects)</a:t>
+            </a:r>
+            <a:endParaRPr lang="en-US" dirty="0" smtClean="0"/>
+          </a:p>
+          <a:p>
+            <a:r>
+              <a:rPr lang="en-US" dirty="0" smtClean="0"/>
+              <a:t>Integrated HaaS API calls into web app</a:t>
+            </a:r>
+          </a:p>
+          <a:p>
+            <a:pPr lvl="1"/>
+            <a:r>
+              <a:rPr lang="en-US" dirty="0" smtClean="0"/>
+              <a:t>create/delete projects</a:t>
+            </a:r>
+          </a:p>
+          <a:p>
+            <a:pPr lvl="1"/>
+            <a:r>
+              <a:rPr lang="en-US" dirty="0" smtClean="0"/>
+              <a:t>Get all free nodes</a:t>
+            </a:r>
+          </a:p>
+          <a:p>
+            <a:pPr lvl="1"/>
+            <a:r>
+              <a:rPr lang="en-US" dirty="0" smtClean="0"/>
+              <a:t>Get all projects</a:t>
+            </a:r>
+          </a:p>
+          <a:p>
+            <a:pPr lvl="1"/>
+            <a:r>
+              <a:rPr lang="en-US" dirty="0" smtClean="0"/>
+              <a:t>List project nodes/networks</a:t>
+            </a:r>
+            <a:endParaRPr lang="en-US" dirty="0"/>
+          </a:p>
+          <a:p>
+            <a:r>
+              <a:rPr lang="en-US" dirty="0" smtClean="0">
+                <a:solidFill>
+                  <a:prstClr val="black"/>
+                </a:solidFill>
+              </a:rPr>
+              <a:t>Extended UI </a:t>
+            </a:r>
+            <a:r>
+              <a:rPr lang="en-US" dirty="0">
+                <a:solidFill>
+                  <a:prstClr val="black"/>
+                </a:solidFill>
+              </a:rPr>
+              <a:t>(Django templates, CSS &amp; JavaScript</a:t>
             </a:r>
             <a:r>
               <a:rPr lang="en-US" dirty="0" smtClean="0">
@@ -5381,108 +5462,6 @@
               </a:rPr>
               <a:t>)</a:t>
             </a:r>
-            <a:endParaRPr lang="en-US" dirty="0" smtClean="0"/>
-          </a:p>
-          <a:p>
-            <a:r>
-              <a:rPr lang="en-US" dirty="0" smtClean="0"/>
-              <a:t>Integrated HaaS API calls into web app</a:t>
-            </a:r>
-          </a:p>
-          <a:p>
-            <a:pPr lvl="1"/>
-            <a:r>
-              <a:rPr lang="en-US" dirty="0" smtClean="0"/>
-              <a:t>create/delete projects</a:t>
-            </a:r>
-            <a:endParaRPr lang="en-US" dirty="0" smtClean="0"/>
-          </a:p>
-          <a:p>
-            <a:pPr lvl="1"/>
-            <a:r>
-              <a:rPr lang="en-US" dirty="0" smtClean="0"/>
-              <a:t>Get </a:t>
-            </a:r>
-            <a:r>
-              <a:rPr lang="en-US" dirty="0" smtClean="0"/>
-              <a:t>all free </a:t>
-            </a:r>
-            <a:r>
-              <a:rPr lang="en-US" dirty="0" smtClean="0"/>
-              <a:t>nodes</a:t>
-            </a:r>
-            <a:endParaRPr lang="en-US" dirty="0" smtClean="0"/>
-          </a:p>
-          <a:p>
-            <a:pPr lvl="1"/>
-            <a:r>
-              <a:rPr lang="en-US" dirty="0" smtClean="0"/>
-              <a:t>Get </a:t>
-            </a:r>
-            <a:r>
-              <a:rPr lang="en-US" dirty="0" smtClean="0"/>
-              <a:t>all </a:t>
-            </a:r>
-            <a:r>
-              <a:rPr lang="en-US" dirty="0" smtClean="0"/>
-              <a:t>projects</a:t>
-            </a:r>
-            <a:endParaRPr lang="en-US" dirty="0" smtClean="0"/>
-          </a:p>
-          <a:p>
-            <a:pPr lvl="1"/>
-            <a:r>
-              <a:rPr lang="en-US" dirty="0" smtClean="0"/>
-              <a:t>List </a:t>
-            </a:r>
-            <a:r>
-              <a:rPr lang="en-US" dirty="0" smtClean="0"/>
-              <a:t>project </a:t>
-            </a:r>
-            <a:r>
-              <a:rPr lang="en-US" dirty="0" smtClean="0"/>
-              <a:t>nodes/networks</a:t>
-            </a:r>
-            <a:endParaRPr lang="en-US" dirty="0"/>
-          </a:p>
-          <a:p>
-            <a:r>
-              <a:rPr lang="en-US" dirty="0" smtClean="0">
-                <a:solidFill>
-                  <a:prstClr val="black"/>
-                </a:solidFill>
-              </a:rPr>
-              <a:t>Extended </a:t>
-            </a:r>
-            <a:r>
-              <a:rPr lang="en-US" dirty="0" smtClean="0">
-                <a:solidFill>
-                  <a:prstClr val="black"/>
-                </a:solidFill>
-              </a:rPr>
-              <a:t>UI </a:t>
-            </a:r>
-            <a:r>
-              <a:rPr lang="en-US" dirty="0">
-                <a:solidFill>
-                  <a:prstClr val="black"/>
-                </a:solidFill>
-              </a:rPr>
-              <a:t>(Django templates, CSS &amp; JavaScript</a:t>
-            </a:r>
-            <a:r>
-              <a:rPr lang="en-US" dirty="0" smtClean="0">
-                <a:solidFill>
-                  <a:prstClr val="black"/>
-                </a:solidFill>
-              </a:rPr>
-              <a:t>)</a:t>
-            </a:r>
-            <a:endParaRPr lang="en-US" dirty="0" smtClean="0">
-              <a:solidFill>
-                <a:prstClr val="black"/>
-              </a:solidFill>
-            </a:endParaRPr>
           </a:p>
           <a:p>
             <a:pPr marL="365760" lvl="1" indent="0">
@@ -5570,7 +5549,7 @@
         </p:spPr>
         <p:txBody>
           <a:bodyPr>
-            <a:normAutofit fontScale="77500" lnSpcReduction="20000"/>
+            <a:normAutofit fontScale="70000" lnSpcReduction="20000"/>
           </a:bodyPr>
           <a:lstStyle/>
           <a:p>
@@ -5653,6 +5632,25 @@
               <a:rPr lang="en-US" dirty="0" smtClean="0"/>
               <a:t>app:</a:t>
             </a:r>
+          </a:p>
+          <a:p>
+            <a:pPr lvl="1"/>
+            <a:r>
+              <a:rPr lang="en-US" dirty="0"/>
+              <a:t>(6) Attach </a:t>
+            </a:r>
+            <a:r>
+              <a:rPr lang="en-US" dirty="0" err="1"/>
+              <a:t>Headnode</a:t>
+            </a:r>
+            <a:r>
+              <a:rPr lang="en-US" dirty="0"/>
+              <a:t> to Project [10</a:t>
+            </a:r>
+            <a:r>
+              <a:rPr lang="en-US" dirty="0" smtClean="0"/>
+              <a:t>]</a:t>
+            </a:r>
             <a:endParaRPr lang="en-US" dirty="0"/>
           </a:p>
           <a:p>
@@ -5717,7 +5715,7 @@
                   <a:prstClr val="black"/>
                 </a:solidFill>
               </a:rPr>
-              <a:t>)[?]</a:t>
+              <a:t>)[9]</a:t>
             </a:r>
             <a:endParaRPr lang="en-US" dirty="0">
               <a:solidFill>
@@ -5746,6 +5744,13 @@
   <p:clrMapOvr>
     <a:masterClrMapping/>
   </p:clrMapOvr>
+  <p:timing>
+    <p:tnLst>
+      <p:par>
+        <p:cTn id="1" dur="indefinite" restart="never" nodeType="tmRoot"/>
+      </p:par>
+    </p:tnLst>
+  </p:timing>
 </p:sld>
 </file>
 
@@ -5795,7 +5800,7 @@
       </p:sp>
       <p:pic>
         <p:nvPicPr>
-          <p:cNvPr id="5" name="Picture 4"/>
+          <p:cNvPr id="4" name="Picture 3"/>
           <p:cNvPicPr>
             <a:picLocks noChangeAspect="1"/>
           </p:cNvPicPr>
@@ -5803,13 +5808,13 @@
         </p:nvPicPr>
         <p:blipFill rotWithShape="1">
           <a:blip r:embed="rId2"/>
-          <a:srcRect l="31640" t="31853" r="10937" b="19793"/>
+          <a:srcRect l="31641" t="25001" r="10937" b="15451"/>
           <a:stretch/>
         </p:blipFill>
         <p:spPr>
           <a:xfrm>
-            <a:off x="914400" y="1428750"/>
-            <a:ext cx="7239000" cy="3429000"/>
+            <a:off x="1295400" y="1428750"/>
+            <a:ext cx="6400800" cy="3511550"/>
           </a:xfrm>
           <a:prstGeom prst="rect">
             <a:avLst/>
@@ -5893,6 +5898,13 @@
   <p:clrMapOvr>
     <a:masterClrMapping/>
   </p:clrMapOvr>
+  <p:timing>
+    <p:tnLst>
+      <p:par>
+        <p:cTn id="1" dur="indefinite" restart="never" nodeType="tmRoot"/>
+      </p:par>
+    </p:tnLst>
+  </p:timing>
 </p:sld>
 </file>
 
@@ -5930,11 +5942,7 @@
           <a:p>
             <a:r>
               <a:rPr lang="en-US" dirty="0" smtClean="0"/>
-              <a:t>What’s Next For Sprint </a:t>
-            </a:r>
-            <a:r>
-              <a:rPr lang="en-US" dirty="0" smtClean="0"/>
-              <a:t>4</a:t>
+              <a:t>What’s Next For Sprint 4</a:t>
             </a:r>
             <a:endParaRPr lang="en-US" dirty="0"/>
           </a:p>
@@ -5989,7 +5997,6 @@
               <a:rPr lang="en-US" sz="4100" dirty="0"/>
               <a:t>Project</a:t>
             </a:r>
-            <a:endParaRPr lang="en-US" sz="4100" dirty="0"/>
           </a:p>
           <a:p>
             <a:pPr fontAlgn="base"/>
@@ -6020,7 +6027,6 @@
               <a:rPr lang="en-US" sz="3800" dirty="0"/>
               <a:t>Network</a:t>
             </a:r>
-            <a:endParaRPr lang="en-US" sz="3800" dirty="0"/>
           </a:p>
           <a:p>
             <a:pPr lvl="1" fontAlgn="base"/>
@@ -6144,15 +6150,7 @@
           <a:p>
             <a:r>
               <a:rPr lang="en-US" dirty="0" smtClean="0"/>
-              <a:t>Under Estimated Sprint2 Goals</a:t>
-            </a:r>
-            <a:r>
-              <a:rPr lang="en-US" dirty="0" smtClean="0"/>
-              <a:t>,</a:t>
-            </a:r>
-            <a:r>
-              <a:rPr lang="en-US" dirty="0" smtClean="0"/>
-              <a:t> Over Estimated Sprint3 Goals</a:t>
+              <a:t>Under Estimated Sprint2 Goals, Over Estimated Sprint3 Goals</a:t>
             </a:r>
           </a:p>
           <a:p>

--- a/MOCUIPlugin-Demo3.pptx
+++ b/MOCUIPlugin-Demo3.pptx
@@ -218,7 +218,7 @@
             <a:fld id="{A8ADFD5B-A66C-449C-B6E8-FB716D07777D}" type="datetimeFigureOut">
               <a:rPr lang="en-US" smtClean="0"/>
               <a:pPr/>
-              <a:t>4/9/2015</a:t>
+              <a:t>4/8/2015</a:t>
             </a:fld>
             <a:endParaRPr lang="en-US"/>
           </a:p>
@@ -858,7 +858,7 @@
                 </a:solidFill>
               </a:rPr>
               <a:pPr algn="ctr"/>
-              <a:t>4/9/2015</a:t>
+              <a:t>4/8/2015</a:t>
             </a:fld>
             <a:endParaRPr kumimoji="0" lang="en-US" sz="2000" dirty="0">
               <a:solidFill>
@@ -1057,7 +1057,7 @@
             <a:fld id="{E4606EA6-EFEA-4C30-9264-4F9291A5780D}" type="datetime1">
               <a:rPr kumimoji="0" lang="en-US" smtClean="0"/>
               <a:pPr/>
-              <a:t>4/9/2015</a:t>
+              <a:t>4/8/2015</a:t>
             </a:fld>
             <a:endParaRPr kumimoji="0" lang="en-US"/>
           </a:p>
@@ -1488,7 +1488,7 @@
             <a:fld id="{6FCF9F07-3BC7-4570-B054-79111B0A380C}" type="datetime1">
               <a:rPr kumimoji="0" lang="en-US" smtClean="0"/>
               <a:pPr/>
-              <a:t>4/9/2015</a:t>
+              <a:t>4/8/2015</a:t>
             </a:fld>
             <a:endParaRPr kumimoji="0" lang="en-US"/>
           </a:p>
@@ -1753,7 +1753,7 @@
             <a:fld id="{E4606EA6-EFEA-4C30-9264-4F9291A5780D}" type="datetime1">
               <a:rPr kumimoji="0" lang="en-US" smtClean="0"/>
               <a:pPr/>
-              <a:t>4/9/2015</a:t>
+              <a:t>4/8/2015</a:t>
             </a:fld>
             <a:endParaRPr kumimoji="0" lang="en-US"/>
           </a:p>
@@ -2008,7 +2008,7 @@
             <a:fld id="{E4606EA6-EFEA-4C30-9264-4F9291A5780D}" type="datetime1">
               <a:rPr kumimoji="0" lang="en-US" smtClean="0"/>
               <a:pPr/>
-              <a:t>4/9/2015</a:t>
+              <a:t>4/8/2015</a:t>
             </a:fld>
             <a:endParaRPr kumimoji="0" lang="en-US"/>
           </a:p>
@@ -2221,7 +2221,7 @@
             <a:fld id="{6DFADB5D-B7A0-47E3-AD2D-B1A6F8614213}" type="datetime1">
               <a:rPr kumimoji="0" lang="en-US" smtClean="0"/>
               <a:pPr/>
-              <a:t>4/9/2015</a:t>
+              <a:t>4/8/2015</a:t>
             </a:fld>
             <a:endParaRPr kumimoji="0" lang="en-US"/>
           </a:p>
@@ -2334,7 +2334,7 @@
             <a:fld id="{72968126-03FC-49C0-B9B8-2B561CCC3D90}" type="datetime1">
               <a:rPr kumimoji="0" lang="en-US" smtClean="0"/>
               <a:pPr/>
-              <a:t>4/9/2015</a:t>
+              <a:t>4/8/2015</a:t>
             </a:fld>
             <a:endParaRPr kumimoji="0" lang="en-US"/>
           </a:p>
@@ -2487,7 +2487,7 @@
             <a:fld id="{F49A8198-4617-485E-9585-4840B69DBBA6}" type="datetime1">
               <a:rPr kumimoji="0" lang="en-US" smtClean="0"/>
               <a:pPr/>
-              <a:t>4/9/2015</a:t>
+              <a:t>4/8/2015</a:t>
             </a:fld>
             <a:endParaRPr kumimoji="0" lang="en-US"/>
           </a:p>
@@ -3076,7 +3076,7 @@
             <a:fld id="{E4606EA6-EFEA-4C30-9264-4F9291A5780D}" type="datetime1">
               <a:rPr kumimoji="0" lang="en-US" smtClean="0"/>
               <a:pPr/>
-              <a:t>4/9/2015</a:t>
+              <a:t>4/8/2015</a:t>
             </a:fld>
             <a:endParaRPr kumimoji="0" lang="en-US"/>
           </a:p>
@@ -3276,7 +3276,7 @@
             <a:fld id="{E4606EA6-EFEA-4C30-9264-4F9291A5780D}" type="datetime1">
               <a:rPr kumimoji="0" lang="en-US" smtClean="0"/>
               <a:pPr/>
-              <a:t>4/9/2015</a:t>
+              <a:t>4/8/2015</a:t>
             </a:fld>
             <a:endParaRPr kumimoji="0" lang="en-US" sz="1400" dirty="0">
               <a:solidFill>
@@ -4207,7 +4207,7 @@
         <p:spPr>
           <a:xfrm>
             <a:off x="152400" y="821331"/>
-            <a:ext cx="4572000" cy="2109808"/>
+            <a:ext cx="4572000" cy="1047979"/>
           </a:xfrm>
           <a:prstGeom prst="rect">
             <a:avLst/>
@@ -4285,52 +4285,8 @@
                 <a:ea typeface="Verdana" panose="020B0604030504040204" pitchFamily="34" charset="0"/>
                 <a:cs typeface="Verdana" panose="020B0604030504040204" pitchFamily="34" charset="0"/>
               </a:rPr>
-              <a:t>(MOC GUI)</a:t>
-            </a:r>
-          </a:p>
-          <a:p>
-            <a:pPr algn="ctr">
-              <a:lnSpc>
-                <a:spcPct val="115000"/>
-              </a:lnSpc>
-            </a:pPr>
-            <a:endParaRPr lang="en-US" b="1" dirty="0">
-              <a:latin typeface="Verdana" panose="020B0604030504040204" pitchFamily="34" charset="0"/>
-              <a:ea typeface="Verdana" panose="020B0604030504040204" pitchFamily="34" charset="0"/>
-              <a:cs typeface="Verdana" panose="020B0604030504040204" pitchFamily="34" charset="0"/>
-            </a:endParaRPr>
-          </a:p>
-          <a:p>
-            <a:pPr algn="ctr">
-              <a:lnSpc>
-                <a:spcPct val="115000"/>
-              </a:lnSpc>
-            </a:pPr>
-            <a:endParaRPr lang="en-US" b="1" dirty="0" smtClean="0">
-              <a:latin typeface="Verdana" panose="020B0604030504040204" pitchFamily="34" charset="0"/>
-              <a:ea typeface="Verdana" panose="020B0604030504040204" pitchFamily="34" charset="0"/>
-              <a:cs typeface="Verdana" panose="020B0604030504040204" pitchFamily="34" charset="0"/>
-            </a:endParaRPr>
-          </a:p>
-          <a:p>
-            <a:pPr algn="ctr">
-              <a:lnSpc>
-                <a:spcPct val="115000"/>
-              </a:lnSpc>
-            </a:pPr>
-            <a:endParaRPr lang="en-US" sz="1200" b="1" dirty="0">
-              <a:effectLst/>
-              <a:latin typeface="Verdana" panose="020B0604030504040204" pitchFamily="34" charset="0"/>
-              <a:ea typeface="Verdana" panose="020B0604030504040204" pitchFamily="34" charset="0"/>
-              <a:cs typeface="Verdana" panose="020B0604030504040204" pitchFamily="34" charset="0"/>
-            </a:endParaRPr>
-          </a:p>
-          <a:p>
-            <a:pPr algn="ctr">
-              <a:lnSpc>
-                <a:spcPct val="115000"/>
-              </a:lnSpc>
-            </a:pPr>
+              <a:t>(MOC)</a:t>
+            </a:r>
             <a:endParaRPr lang="en-US" sz="1200" dirty="0">
               <a:effectLst/>
               <a:latin typeface="Arial" panose="020B0604020202020204" pitchFamily="34" charset="0"/>
@@ -5309,7 +5265,11 @@
           <a:p>
             <a:r>
               <a:rPr lang="en-US" dirty="0" smtClean="0"/>
-              <a:t>Last Sprint</a:t>
+              <a:t>Last</a:t>
+            </a:r>
+            <a:r>
+              <a:rPr lang="en-US" dirty="0" smtClean="0"/>
+              <a:t> Sprint</a:t>
             </a:r>
             <a:endParaRPr lang="en-US" dirty="0"/>
           </a:p>
@@ -5371,8 +5331,21 @@
                   <a:prstClr val="black"/>
                 </a:solidFill>
               </a:rPr>
-              <a:t> server</a:t>
-            </a:r>
+              <a:t> </a:t>
+            </a:r>
+            <a:r>
+              <a:rPr lang="en-US" dirty="0" smtClean="0">
+                <a:solidFill>
+                  <a:prstClr val="black"/>
+                </a:solidFill>
+              </a:rPr>
+              <a:t>server</a:t>
+            </a:r>
+            <a:endParaRPr lang="en-US" dirty="0" smtClean="0">
+              <a:solidFill>
+                <a:prstClr val="black"/>
+              </a:solidFill>
+            </a:endParaRPr>
           </a:p>
           <a:p>
             <a:pPr lvl="0"/>
@@ -5398,53 +5371,96 @@
                   <a:prstClr val="black"/>
                 </a:solidFill>
               </a:rPr>
-              <a:t> API (List all Projects)</a:t>
-            </a:r>
-            <a:endParaRPr lang="en-US" dirty="0" smtClean="0"/>
-          </a:p>
-          <a:p>
-            <a:r>
-              <a:rPr lang="en-US" dirty="0" smtClean="0"/>
-              <a:t>Integrated HaaS API calls into web app</a:t>
-            </a:r>
-          </a:p>
-          <a:p>
-            <a:pPr lvl="1"/>
-            <a:r>
-              <a:rPr lang="en-US" dirty="0" smtClean="0"/>
-              <a:t>create/delete projects</a:t>
-            </a:r>
-          </a:p>
-          <a:p>
-            <a:pPr lvl="1"/>
-            <a:r>
-              <a:rPr lang="en-US" dirty="0" smtClean="0"/>
-              <a:t>Get all free nodes</a:t>
-            </a:r>
-          </a:p>
-          <a:p>
-            <a:pPr lvl="1"/>
-            <a:r>
-              <a:rPr lang="en-US" dirty="0" smtClean="0"/>
-              <a:t>Get all projects</a:t>
-            </a:r>
-          </a:p>
-          <a:p>
-            <a:pPr lvl="1"/>
-            <a:r>
-              <a:rPr lang="en-US" dirty="0" smtClean="0"/>
-              <a:t>List project nodes/networks</a:t>
-            </a:r>
-            <a:endParaRPr lang="en-US" dirty="0"/>
-          </a:p>
-          <a:p>
+              <a:t> API (List all Projects</a:t>
+            </a:r>
             <a:r>
               <a:rPr lang="en-US" dirty="0" smtClean="0">
                 <a:solidFill>
                   <a:prstClr val="black"/>
                 </a:solidFill>
               </a:rPr>
-              <a:t>Extended UI </a:t>
+              <a:t>)</a:t>
+            </a:r>
+            <a:endParaRPr lang="en-US" dirty="0" smtClean="0"/>
+          </a:p>
+          <a:p>
+            <a:r>
+              <a:rPr lang="en-US" dirty="0" smtClean="0"/>
+              <a:t>Integrated HaaS API calls into web app</a:t>
+            </a:r>
+          </a:p>
+          <a:p>
+            <a:pPr lvl="1"/>
+            <a:r>
+              <a:rPr lang="en-US" dirty="0" smtClean="0"/>
+              <a:t>create/delete projects</a:t>
+            </a:r>
+            <a:endParaRPr lang="en-US" dirty="0" smtClean="0"/>
+          </a:p>
+          <a:p>
+            <a:pPr lvl="1"/>
+            <a:r>
+              <a:rPr lang="en-US" dirty="0" smtClean="0"/>
+              <a:t>Get </a:t>
+            </a:r>
+            <a:r>
+              <a:rPr lang="en-US" dirty="0" smtClean="0"/>
+              <a:t>all free </a:t>
+            </a:r>
+            <a:r>
+              <a:rPr lang="en-US" dirty="0" smtClean="0"/>
+              <a:t>nodes</a:t>
+            </a:r>
+            <a:endParaRPr lang="en-US" dirty="0" smtClean="0"/>
+          </a:p>
+          <a:p>
+            <a:pPr lvl="1"/>
+            <a:r>
+              <a:rPr lang="en-US" dirty="0" smtClean="0"/>
+              <a:t>Get </a:t>
+            </a:r>
+            <a:r>
+              <a:rPr lang="en-US" dirty="0" smtClean="0"/>
+              <a:t>all </a:t>
+            </a:r>
+            <a:r>
+              <a:rPr lang="en-US" dirty="0" smtClean="0"/>
+              <a:t>projects</a:t>
+            </a:r>
+            <a:endParaRPr lang="en-US" dirty="0" smtClean="0"/>
+          </a:p>
+          <a:p>
+            <a:pPr lvl="1"/>
+            <a:r>
+              <a:rPr lang="en-US" dirty="0" smtClean="0"/>
+              <a:t>List </a:t>
+            </a:r>
+            <a:r>
+              <a:rPr lang="en-US" dirty="0" smtClean="0"/>
+              <a:t>project </a:t>
+            </a:r>
+            <a:r>
+              <a:rPr lang="en-US" dirty="0" smtClean="0"/>
+              <a:t>nodes/networks</a:t>
+            </a:r>
+            <a:endParaRPr lang="en-US" dirty="0"/>
+          </a:p>
+          <a:p>
+            <a:r>
+              <a:rPr lang="en-US" dirty="0" smtClean="0">
+                <a:solidFill>
+                  <a:prstClr val="black"/>
+                </a:solidFill>
+              </a:rPr>
+              <a:t>Extended </a:t>
+            </a:r>
+            <a:r>
+              <a:rPr lang="en-US" dirty="0" smtClean="0">
+                <a:solidFill>
+                  <a:prstClr val="black"/>
+                </a:solidFill>
+              </a:rPr>
+              <a:t>UI </a:t>
             </a:r>
             <a:r>
               <a:rPr lang="en-US" dirty="0">
@@ -5462,6 +5478,11 @@
               </a:rPr>
               <a:t>)</a:t>
             </a:r>
+            <a:endParaRPr lang="en-US" dirty="0" smtClean="0">
+              <a:solidFill>
+                <a:prstClr val="black"/>
+              </a:solidFill>
+            </a:endParaRPr>
           </a:p>
           <a:p>
             <a:pPr marL="365760" lvl="1" indent="0">
@@ -5549,7 +5570,7 @@
         </p:spPr>
         <p:txBody>
           <a:bodyPr>
-            <a:normAutofit fontScale="70000" lnSpcReduction="20000"/>
+            <a:normAutofit fontScale="77500" lnSpcReduction="20000"/>
           </a:bodyPr>
           <a:lstStyle/>
           <a:p>
@@ -5632,25 +5653,6 @@
               <a:rPr lang="en-US" dirty="0" smtClean="0"/>
               <a:t>app:</a:t>
             </a:r>
-          </a:p>
-          <a:p>
-            <a:pPr lvl="1"/>
-            <a:r>
-              <a:rPr lang="en-US" dirty="0"/>
-              <a:t>(6) Attach </a:t>
-            </a:r>
-            <a:r>
-              <a:rPr lang="en-US" dirty="0" err="1"/>
-              <a:t>Headnode</a:t>
-            </a:r>
-            <a:r>
-              <a:rPr lang="en-US" dirty="0"/>
-              <a:t> to Project [10</a:t>
-            </a:r>
-            <a:r>
-              <a:rPr lang="en-US" dirty="0" smtClean="0"/>
-              <a:t>]</a:t>
-            </a:r>
             <a:endParaRPr lang="en-US" dirty="0"/>
           </a:p>
           <a:p>
@@ -5715,7 +5717,7 @@
                   <a:prstClr val="black"/>
                 </a:solidFill>
               </a:rPr>
-              <a:t>)[9]</a:t>
+              <a:t>)[?]</a:t>
             </a:r>
             <a:endParaRPr lang="en-US" dirty="0">
               <a:solidFill>
@@ -5744,13 +5746,6 @@
   <p:clrMapOvr>
     <a:masterClrMapping/>
   </p:clrMapOvr>
-  <p:timing>
-    <p:tnLst>
-      <p:par>
-        <p:cTn id="1" dur="indefinite" restart="never" nodeType="tmRoot"/>
-      </p:par>
-    </p:tnLst>
-  </p:timing>
 </p:sld>
 </file>
 
@@ -5800,25 +5795,56 @@
       </p:sp>
       <p:pic>
         <p:nvPicPr>
-          <p:cNvPr id="4" name="Picture 3"/>
+          <p:cNvPr id="1027" name="Picture 3"/>
           <p:cNvPicPr>
-            <a:picLocks noChangeAspect="1"/>
+            <a:picLocks noGrp="1" noChangeAspect="1" noChangeArrowheads="1"/>
           </p:cNvPicPr>
-          <p:nvPr/>
+          <p:nvPr>
+            <p:ph sz="quarter" idx="13"/>
+          </p:nvPr>
         </p:nvPicPr>
         <p:blipFill rotWithShape="1">
-          <a:blip r:embed="rId2"/>
-          <a:srcRect l="31641" t="25001" r="10937" b="15451"/>
+          <a:blip r:embed="rId2">
+            <a:extLst>
+              <a:ext uri="{28A0092B-C50C-407E-A947-70E740481C1C}">
+                <a14:useLocalDpi xmlns:a14="http://schemas.microsoft.com/office/drawing/2010/main" val="0"/>
+              </a:ext>
+            </a:extLst>
+          </a:blip>
+          <a:srcRect l="34345" t="22256" r="16842" b="27944"/>
           <a:stretch/>
         </p:blipFill>
-        <p:spPr>
-          <a:xfrm>
-            <a:off x="1295400" y="1428750"/>
-            <a:ext cx="6400800" cy="3511550"/>
+        <p:spPr bwMode="auto">
+          <a:xfrm>
+            <a:off x="1645920" y="1495586"/>
+            <a:ext cx="5471572" cy="3028628"/>
           </a:xfrm>
           <a:prstGeom prst="rect">
             <a:avLst/>
           </a:prstGeom>
+          <a:noFill/>
+          <a:ln>
+            <a:noFill/>
+          </a:ln>
+          <a:extLst>
+            <a:ext uri="{909E8E84-426E-40DD-AFC4-6F175D3DCCD1}">
+              <a14:hiddenFill xmlns:a14="http://schemas.microsoft.com/office/drawing/2010/main">
+                <a:solidFill>
+                  <a:schemeClr val="accent1"/>
+                </a:solidFill>
+              </a14:hiddenFill>
+            </a:ext>
+            <a:ext uri="{91240B29-F687-4F45-9708-019B960494DF}">
+              <a14:hiddenLine xmlns:a14="http://schemas.microsoft.com/office/drawing/2010/main" w="9525">
+                <a:solidFill>
+                  <a:schemeClr val="tx1"/>
+                </a:solidFill>
+                <a:miter lim="800000"/>
+                <a:headEnd/>
+                <a:tailEnd/>
+              </a14:hiddenLine>
+            </a:ext>
+          </a:extLst>
         </p:spPr>
       </p:pic>
     </p:spTree>
@@ -5898,13 +5924,6 @@
   <p:clrMapOvr>
     <a:masterClrMapping/>
   </p:clrMapOvr>
-  <p:timing>
-    <p:tnLst>
-      <p:par>
-        <p:cTn id="1" dur="indefinite" restart="never" nodeType="tmRoot"/>
-      </p:par>
-    </p:tnLst>
-  </p:timing>
 </p:sld>
 </file>
 
@@ -5942,7 +5961,11 @@
           <a:p>
             <a:r>
               <a:rPr lang="en-US" dirty="0" smtClean="0"/>
-              <a:t>What’s Next For Sprint 4</a:t>
+              <a:t>What’s Next For Sprint </a:t>
+            </a:r>
+            <a:r>
+              <a:rPr lang="en-US" dirty="0" smtClean="0"/>
+              <a:t>4</a:t>
             </a:r>
             <a:endParaRPr lang="en-US" dirty="0"/>
           </a:p>
@@ -5997,6 +6020,7 @@
               <a:rPr lang="en-US" sz="4100" dirty="0"/>
               <a:t>Project</a:t>
             </a:r>
+            <a:endParaRPr lang="en-US" sz="4100" dirty="0"/>
           </a:p>
           <a:p>
             <a:pPr fontAlgn="base"/>
@@ -6027,6 +6051,7 @@
               <a:rPr lang="en-US" sz="3800" dirty="0"/>
               <a:t>Network</a:t>
             </a:r>
+            <a:endParaRPr lang="en-US" sz="3800" dirty="0"/>
           </a:p>
           <a:p>
             <a:pPr lvl="1" fontAlgn="base"/>
@@ -6059,7 +6084,7 @@
               <a:t>Strech</a:t>
             </a:r>
             <a:r>
-              <a:rPr lang="en-US" sz="4100" dirty="0" smtClean="0"/>
+              <a:rPr lang="en-US" sz="4100" smtClean="0"/>
               <a:t>) Manage NICS</a:t>
             </a:r>
             <a:endParaRPr lang="en-US" sz="4100" dirty="0"/>
@@ -6150,20 +6175,13 @@
           <a:p>
             <a:r>
               <a:rPr lang="en-US" dirty="0" smtClean="0"/>
-              <a:t>Under Estimated Sprint2 Goals, Over Estimated Sprint3 Goals</a:t>
-            </a:r>
-          </a:p>
-          <a:p>
-            <a:endParaRPr lang="en-US" dirty="0" smtClean="0"/>
-          </a:p>
-          <a:p>
-            <a:r>
-              <a:rPr lang="en-US" dirty="0" err="1" smtClean="0"/>
-              <a:t>iFrame</a:t>
-            </a:r>
+              <a:t>Almost done with initial goals</a:t>
+            </a:r>
+          </a:p>
+          <a:p>
             <a:r>
               <a:rPr lang="en-US" dirty="0" smtClean="0"/>
-              <a:t> Integration (Sprint 5)</a:t>
+              <a:t>iFrame Integration (Sprint 4 &amp; 5)</a:t>
             </a:r>
           </a:p>
           <a:p>
@@ -6171,6 +6189,19 @@
             <a:r>
               <a:rPr lang="en-US" dirty="0" smtClean="0"/>
               <a:t>Depends on MOC UI group</a:t>
+            </a:r>
+          </a:p>
+          <a:p>
+            <a:r>
+              <a:rPr lang="en-US" dirty="0" smtClean="0"/>
+              <a:t>Could work on stretch goals in the meantime</a:t>
+            </a:r>
+          </a:p>
+          <a:p>
+            <a:pPr lvl="1"/>
+            <a:r>
+              <a:rPr lang="en-US" dirty="0" smtClean="0"/>
+              <a:t>Authorization for HaaS</a:t>
             </a:r>
           </a:p>
         </p:txBody>
